--- a/presentation/Wood-Concrete Sandwich Beam.pptx
+++ b/presentation/Wood-Concrete Sandwich Beam.pptx
@@ -7,6 +7,9 @@
   <p:sldIdLst>
     <p:sldId id="256" r:id="rId2"/>
     <p:sldId id="257" r:id="rId3"/>
+    <p:sldId id="258" r:id="rId4"/>
+    <p:sldId id="259" r:id="rId5"/>
+    <p:sldId id="261" r:id="rId6"/>
   </p:sldIdLst>
   <p:sldSz cx="9144000" cy="6858000" type="screen4x3"/>
   <p:notesSz cx="6858000" cy="9144000"/>
@@ -3200,16 +3203,8 @@
           <a:lstStyle/>
           <a:p>
             <a:r>
-              <a:rPr lang="de-AT" dirty="0" err="1" smtClean="0"/>
-              <a:t>Shear</a:t>
-            </a:r>
-            <a:r>
               <a:rPr lang="de-AT" dirty="0" smtClean="0"/>
-              <a:t> </a:t>
-            </a:r>
-            <a:r>
-              <a:rPr lang="de-AT" dirty="0" err="1" smtClean="0"/>
-              <a:t>Analogy</a:t>
+              <a:t>The Beam</a:t>
             </a:r>
             <a:endParaRPr lang="de-AT" dirty="0"/>
           </a:p>
@@ -3217,12 +3212,12 @@
       </p:sp>
       <p:sp>
         <p:nvSpPr>
-          <p:cNvPr id="3" name="Inhaltsplatzhalter 2"/>
-          <p:cNvSpPr>
-            <a:spLocks noGrp="1"/>
-          </p:cNvSpPr>
-          <p:nvPr>
-            <p:ph idx="1"/>
+          <p:cNvPr id="7" name="Inhaltsplatzhalter 6"/>
+          <p:cNvSpPr>
+            <a:spLocks noGrp="1"/>
+          </p:cNvSpPr>
+          <p:nvPr>
+            <p:ph sz="half" idx="1"/>
           </p:nvPr>
         </p:nvSpPr>
         <p:spPr/>
@@ -3230,18 +3225,2473 @@
           <a:bodyPr/>
           <a:lstStyle/>
           <a:p>
-            <a:r>
-              <a:rPr lang="de-AT" smtClean="0"/>
-              <a:t>Calculate</a:t>
-            </a:r>
-            <a:endParaRPr lang="de-AT"/>
-          </a:p>
-        </p:txBody>
-      </p:sp>
+            <a:pPr marL="0" indent="0">
+              <a:buNone/>
+            </a:pPr>
+            <a:r>
+              <a:rPr lang="de-AT" dirty="0" err="1"/>
+              <a:t>Layers</a:t>
+            </a:r>
+            <a:endParaRPr lang="de-AT" dirty="0"/>
+          </a:p>
+          <a:p>
+            <a:pPr marL="0" indent="0">
+              <a:buNone/>
+            </a:pPr>
+            <a:r>
+              <a:rPr lang="de-AT" dirty="0"/>
+              <a:t>1: </a:t>
+            </a:r>
+            <a:r>
+              <a:rPr lang="de-AT" dirty="0" err="1"/>
+              <a:t>Concrete</a:t>
+            </a:r>
+            <a:endParaRPr lang="de-AT" dirty="0"/>
+          </a:p>
+          <a:p>
+            <a:pPr marL="0" indent="0">
+              <a:buNone/>
+            </a:pPr>
+            <a:r>
+              <a:rPr lang="de-AT" dirty="0"/>
+              <a:t>2: Wood-</a:t>
+            </a:r>
+            <a:r>
+              <a:rPr lang="de-AT" dirty="0" err="1"/>
+              <a:t>Concrete</a:t>
+            </a:r>
+            <a:endParaRPr lang="de-AT" dirty="0"/>
+          </a:p>
+          <a:p>
+            <a:pPr marL="0" indent="0">
+              <a:buNone/>
+            </a:pPr>
+            <a:r>
+              <a:rPr lang="de-AT" dirty="0"/>
+              <a:t>3: Wood (</a:t>
+            </a:r>
+            <a:r>
+              <a:rPr lang="de-AT" dirty="0" err="1"/>
+              <a:t>CLT</a:t>
+            </a:r>
+            <a:r>
+              <a:rPr lang="de-AT" dirty="0"/>
+              <a:t>)</a:t>
+            </a:r>
+          </a:p>
+          <a:p>
+            <a:pPr marL="0" indent="0">
+              <a:buNone/>
+            </a:pPr>
+            <a:endParaRPr lang="de-AT" dirty="0"/>
+          </a:p>
+        </p:txBody>
+      </p:sp>
+      <p:pic>
+        <p:nvPicPr>
+          <p:cNvPr id="8" name="Picture 2" descr="J:\FFG_BRIDGE_10-Ausschreibung\04_Studenten_Mitarbeiter\2011_MitarbeiterInnen_Institut\Fuchs\35 Präsentationen\SAM_0699.jpg"/>
+          <p:cNvPicPr>
+            <a:picLocks noGrp="1" noChangeAspect="1" noChangeArrowheads="1"/>
+          </p:cNvPicPr>
+          <p:nvPr>
+            <p:ph sz="half" idx="2"/>
+          </p:nvPr>
+        </p:nvPicPr>
+        <p:blipFill>
+          <a:blip r:embed="rId2" cstate="print">
+            <a:extLst>
+              <a:ext uri="{28A0092B-C50C-407E-A947-70E740481C1C}">
+                <a14:useLocalDpi xmlns:a14="http://schemas.microsoft.com/office/drawing/2010/main" val="0"/>
+              </a:ext>
+            </a:extLst>
+          </a:blip>
+          <a:stretch>
+            <a:fillRect/>
+          </a:stretch>
+        </p:blipFill>
+        <p:spPr bwMode="auto">
+          <a:xfrm>
+            <a:off x="4648200" y="2348706"/>
+            <a:ext cx="4038600" cy="3028950"/>
+          </a:xfrm>
+          <a:prstGeom prst="rect">
+            <a:avLst/>
+          </a:prstGeom>
+          <a:noFill/>
+          <a:extLst>
+            <a:ext uri="{909E8E84-426E-40DD-AFC4-6F175D3DCCD1}">
+              <a14:hiddenFill xmlns:a14="http://schemas.microsoft.com/office/drawing/2010/main">
+                <a:solidFill>
+                  <a:srgbClr val="FFFFFF"/>
+                </a:solidFill>
+              </a14:hiddenFill>
+            </a:ext>
+          </a:extLst>
+        </p:spPr>
+      </p:pic>
     </p:spTree>
     <p:extLst>
       <p:ext uri="{BB962C8B-B14F-4D97-AF65-F5344CB8AC3E}">
         <p14:creationId xmlns:p14="http://schemas.microsoft.com/office/powerpoint/2010/main" val="4248994661"/>
+      </p:ext>
+    </p:extLst>
+  </p:cSld>
+  <p:clrMapOvr>
+    <a:masterClrMapping/>
+  </p:clrMapOvr>
+</p:sld>
+</file>
+
+<file path=ppt/slides/slide3.xml><?xml version="1.0" encoding="utf-8"?>
+<p:sld xmlns:a="http://schemas.openxmlformats.org/drawingml/2006/main" xmlns:r="http://schemas.openxmlformats.org/officeDocument/2006/relationships" xmlns:p="http://schemas.openxmlformats.org/presentationml/2006/main">
+  <p:cSld>
+    <p:spTree>
+      <p:nvGrpSpPr>
+        <p:cNvPr id="1" name=""/>
+        <p:cNvGrpSpPr/>
+        <p:nvPr/>
+      </p:nvGrpSpPr>
+      <p:grpSpPr>
+        <a:xfrm>
+          <a:off x="0" y="0"/>
+          <a:ext cx="0" cy="0"/>
+          <a:chOff x="0" y="0"/>
+          <a:chExt cx="0" cy="0"/>
+        </a:xfrm>
+      </p:grpSpPr>
+      <p:sp>
+        <p:nvSpPr>
+          <p:cNvPr id="2" name="Titel 1"/>
+          <p:cNvSpPr>
+            <a:spLocks noGrp="1"/>
+          </p:cNvSpPr>
+          <p:nvPr>
+            <p:ph type="title"/>
+          </p:nvPr>
+        </p:nvSpPr>
+        <p:spPr/>
+        <p:txBody>
+          <a:bodyPr/>
+          <a:lstStyle/>
+          <a:p>
+            <a:r>
+              <a:rPr lang="de-AT" dirty="0" smtClean="0"/>
+              <a:t>The </a:t>
+            </a:r>
+            <a:r>
+              <a:rPr lang="de-AT" dirty="0" err="1" smtClean="0"/>
+              <a:t>Analogy</a:t>
+            </a:r>
+            <a:endParaRPr lang="de-AT" dirty="0"/>
+          </a:p>
+        </p:txBody>
+      </p:sp>
+      <p:sp>
+        <p:nvSpPr>
+          <p:cNvPr id="6" name="Inhaltsplatzhalter 5"/>
+          <p:cNvSpPr>
+            <a:spLocks noGrp="1"/>
+          </p:cNvSpPr>
+          <p:nvPr>
+            <p:ph sz="half" idx="1"/>
+          </p:nvPr>
+        </p:nvSpPr>
+        <p:spPr/>
+        <p:txBody>
+          <a:bodyPr/>
+          <a:lstStyle/>
+          <a:p>
+            <a:pPr marL="0" indent="0">
+              <a:buNone/>
+            </a:pPr>
+            <a:r>
+              <a:rPr lang="de-AT" dirty="0" err="1" smtClean="0"/>
+              <a:t>Layers</a:t>
+            </a:r>
+            <a:endParaRPr lang="de-AT" dirty="0"/>
+          </a:p>
+          <a:p>
+            <a:pPr marL="0" indent="0">
+              <a:buNone/>
+            </a:pPr>
+            <a:r>
+              <a:rPr lang="de-AT" dirty="0" smtClean="0"/>
+              <a:t>1: </a:t>
+            </a:r>
+            <a:r>
+              <a:rPr lang="de-AT" dirty="0" err="1" smtClean="0"/>
+              <a:t>Concrete</a:t>
+            </a:r>
+            <a:r>
+              <a:rPr lang="de-AT" dirty="0" smtClean="0"/>
+              <a:t> (</a:t>
+            </a:r>
+            <a:r>
+              <a:rPr lang="de-AT" dirty="0" err="1" smtClean="0"/>
+              <a:t>SCC</a:t>
+            </a:r>
+            <a:r>
+              <a:rPr lang="de-AT" dirty="0" smtClean="0"/>
+              <a:t>)</a:t>
+            </a:r>
+          </a:p>
+          <a:p>
+            <a:pPr marL="0" indent="0">
+              <a:buNone/>
+            </a:pPr>
+            <a:r>
+              <a:rPr lang="de-AT" dirty="0" smtClean="0"/>
+              <a:t>2: Wood-</a:t>
+            </a:r>
+            <a:r>
+              <a:rPr lang="de-AT" dirty="0" err="1" smtClean="0"/>
+              <a:t>Concrete</a:t>
+            </a:r>
+            <a:r>
+              <a:rPr lang="de-AT" dirty="0" smtClean="0"/>
+              <a:t> (</a:t>
+            </a:r>
+            <a:r>
+              <a:rPr lang="de-AT" dirty="0" err="1" smtClean="0"/>
+              <a:t>Velox</a:t>
+            </a:r>
+            <a:r>
+              <a:rPr lang="de-AT" dirty="0" smtClean="0"/>
+              <a:t>)</a:t>
+            </a:r>
+          </a:p>
+          <a:p>
+            <a:pPr marL="0" indent="0">
+              <a:buNone/>
+            </a:pPr>
+            <a:r>
+              <a:rPr lang="de-AT" dirty="0" smtClean="0"/>
+              <a:t>3: Wood (</a:t>
+            </a:r>
+            <a:r>
+              <a:rPr lang="de-AT" dirty="0" err="1" smtClean="0"/>
+              <a:t>CLT</a:t>
+            </a:r>
+            <a:r>
+              <a:rPr lang="de-AT" dirty="0" smtClean="0"/>
+              <a:t>)</a:t>
+            </a:r>
+          </a:p>
+          <a:p>
+            <a:pPr marL="0" indent="0">
+              <a:buNone/>
+            </a:pPr>
+            <a:endParaRPr lang="de-AT" dirty="0"/>
+          </a:p>
+        </p:txBody>
+      </p:sp>
+      <p:pic>
+        <p:nvPicPr>
+          <p:cNvPr id="12" name="Inhaltsplatzhalter 11"/>
+          <p:cNvPicPr>
+            <a:picLocks noGrp="1" noChangeAspect="1"/>
+          </p:cNvPicPr>
+          <p:nvPr>
+            <p:ph sz="half" idx="2"/>
+          </p:nvPr>
+        </p:nvPicPr>
+        <p:blipFill>
+          <a:blip r:embed="rId2" cstate="print">
+            <a:extLst>
+              <a:ext uri="{28A0092B-C50C-407E-A947-70E740481C1C}">
+                <a14:useLocalDpi xmlns:a14="http://schemas.microsoft.com/office/drawing/2010/main" val="0"/>
+              </a:ext>
+            </a:extLst>
+          </a:blip>
+          <a:stretch>
+            <a:fillRect/>
+          </a:stretch>
+        </p:blipFill>
+        <p:spPr>
+          <a:xfrm>
+            <a:off x="5198361" y="1931660"/>
+            <a:ext cx="2938278" cy="1929388"/>
+          </a:xfrm>
+        </p:spPr>
+      </p:pic>
+    </p:spTree>
+    <p:extLst>
+      <p:ext uri="{BB962C8B-B14F-4D97-AF65-F5344CB8AC3E}">
+        <p14:creationId xmlns:p14="http://schemas.microsoft.com/office/powerpoint/2010/main" val="3543319431"/>
+      </p:ext>
+    </p:extLst>
+  </p:cSld>
+  <p:clrMapOvr>
+    <a:masterClrMapping/>
+  </p:clrMapOvr>
+</p:sld>
+</file>
+
+<file path=ppt/slides/slide4.xml><?xml version="1.0" encoding="utf-8"?>
+<p:sld xmlns:a="http://schemas.openxmlformats.org/drawingml/2006/main" xmlns:r="http://schemas.openxmlformats.org/officeDocument/2006/relationships" xmlns:p="http://schemas.openxmlformats.org/presentationml/2006/main">
+  <p:cSld>
+    <p:spTree>
+      <p:nvGrpSpPr>
+        <p:cNvPr id="1" name=""/>
+        <p:cNvGrpSpPr/>
+        <p:nvPr/>
+      </p:nvGrpSpPr>
+      <p:grpSpPr>
+        <a:xfrm>
+          <a:off x="0" y="0"/>
+          <a:ext cx="0" cy="0"/>
+          <a:chOff x="0" y="0"/>
+          <a:chExt cx="0" cy="0"/>
+        </a:xfrm>
+      </p:grpSpPr>
+      <p:sp>
+        <p:nvSpPr>
+          <p:cNvPr id="2" name="Titel 1"/>
+          <p:cNvSpPr>
+            <a:spLocks noGrp="1"/>
+          </p:cNvSpPr>
+          <p:nvPr>
+            <p:ph type="title"/>
+          </p:nvPr>
+        </p:nvSpPr>
+        <p:spPr/>
+        <p:txBody>
+          <a:bodyPr/>
+          <a:lstStyle/>
+          <a:p>
+            <a:r>
+              <a:rPr lang="de-AT" dirty="0" smtClean="0"/>
+              <a:t>The </a:t>
+            </a:r>
+            <a:r>
+              <a:rPr lang="de-AT" dirty="0" err="1" smtClean="0"/>
+              <a:t>Analogy</a:t>
+            </a:r>
+            <a:endParaRPr lang="de-AT" dirty="0"/>
+          </a:p>
+        </p:txBody>
+      </p:sp>
+      <mc:AlternateContent xmlns:mc="http://schemas.openxmlformats.org/markup-compatibility/2006">
+        <mc:Choice xmlns:a14="http://schemas.microsoft.com/office/drawing/2010/main" Requires="a14">
+          <p:sp>
+            <p:nvSpPr>
+              <p:cNvPr id="6" name="Inhaltsplatzhalter 5"/>
+              <p:cNvSpPr>
+                <a:spLocks noGrp="1"/>
+              </p:cNvSpPr>
+              <p:nvPr>
+                <p:ph sz="half" idx="1"/>
+              </p:nvPr>
+            </p:nvSpPr>
+            <p:spPr/>
+            <p:txBody>
+              <a:bodyPr/>
+              <a:lstStyle/>
+              <a:p>
+                <a:pPr marL="0" indent="0">
+                  <a:buNone/>
+                </a:pPr>
+                <a:r>
+                  <a:rPr lang="de-AT" dirty="0" smtClean="0"/>
+                  <a:t>Beam A</a:t>
+                </a:r>
+              </a:p>
+              <a:p>
+                <a:pPr marL="0" indent="0">
+                  <a:buNone/>
+                </a:pPr>
+                <a14:m>
+                  <m:oMathPara xmlns:m="http://schemas.openxmlformats.org/officeDocument/2006/math">
+                    <m:oMathParaPr>
+                      <m:jc m:val="centerGroup"/>
+                    </m:oMathParaPr>
+                    <m:oMath xmlns:m="http://schemas.openxmlformats.org/officeDocument/2006/math">
+                      <m:sSub>
+                        <m:sSubPr>
+                          <m:ctrlPr>
+                            <a:rPr lang="de-AT" b="0" i="1" smtClean="0">
+                              <a:latin typeface="Cambria Math"/>
+                            </a:rPr>
+                          </m:ctrlPr>
+                        </m:sSubPr>
+                        <m:e>
+                          <m:r>
+                            <a:rPr lang="de-AT" b="0" i="1" smtClean="0">
+                              <a:latin typeface="Cambria Math"/>
+                            </a:rPr>
+                            <m:t>𝐸</m:t>
+                          </m:r>
+                          <m:r>
+                            <a:rPr lang="de-AT" b="0" i="1" smtClean="0">
+                              <a:latin typeface="Cambria Math"/>
+                            </a:rPr>
+                            <m:t>𝐼</m:t>
+                          </m:r>
+                        </m:e>
+                        <m:sub>
+                          <m:r>
+                            <a:rPr lang="de-AT" b="0" i="1" smtClean="0">
+                              <a:latin typeface="Cambria Math"/>
+                            </a:rPr>
+                            <m:t>𝐴</m:t>
+                          </m:r>
+                        </m:sub>
+                      </m:sSub>
+                      <m:r>
+                        <a:rPr lang="de-AT" b="0" i="1" smtClean="0">
+                          <a:latin typeface="Cambria Math"/>
+                        </a:rPr>
+                        <m:t>=∑</m:t>
+                      </m:r>
+                      <m:sSub>
+                        <m:sSubPr>
+                          <m:ctrlPr>
+                            <a:rPr lang="de-AT" b="0" i="1" smtClean="0">
+                              <a:latin typeface="Cambria Math"/>
+                            </a:rPr>
+                          </m:ctrlPr>
+                        </m:sSubPr>
+                        <m:e>
+                          <m:sSub>
+                            <m:sSubPr>
+                              <m:ctrlPr>
+                                <a:rPr lang="de-AT" b="0" i="1" smtClean="0">
+                                  <a:latin typeface="Cambria Math"/>
+                                </a:rPr>
+                              </m:ctrlPr>
+                            </m:sSubPr>
+                            <m:e>
+                              <m:r>
+                                <a:rPr lang="de-AT" b="0" i="1" smtClean="0">
+                                  <a:latin typeface="Cambria Math"/>
+                                </a:rPr>
+                                <m:t>𝐸</m:t>
+                              </m:r>
+                            </m:e>
+                            <m:sub>
+                              <m:r>
+                                <a:rPr lang="de-AT" b="0" i="1" smtClean="0">
+                                  <a:latin typeface="Cambria Math"/>
+                                </a:rPr>
+                                <m:t>𝑖</m:t>
+                              </m:r>
+                            </m:sub>
+                          </m:sSub>
+                          <m:r>
+                            <a:rPr lang="de-AT" b="0" i="1" smtClean="0">
+                              <a:latin typeface="Cambria Math"/>
+                            </a:rPr>
+                            <m:t>𝐼</m:t>
+                          </m:r>
+                        </m:e>
+                        <m:sub>
+                          <m:r>
+                            <a:rPr lang="de-AT" b="0" i="1" smtClean="0">
+                              <a:latin typeface="Cambria Math"/>
+                            </a:rPr>
+                            <m:t>𝑖</m:t>
+                          </m:r>
+                        </m:sub>
+                      </m:sSub>
+                    </m:oMath>
+                  </m:oMathPara>
+                </a14:m>
+                <a:endParaRPr lang="de-AT" dirty="0" smtClean="0"/>
+              </a:p>
+              <a:p>
+                <a:pPr marL="0" indent="0">
+                  <a:buNone/>
+                </a:pPr>
+                <a14:m>
+                  <m:oMathPara xmlns:m="http://schemas.openxmlformats.org/officeDocument/2006/math">
+                    <m:oMathParaPr>
+                      <m:jc m:val="centerGroup"/>
+                    </m:oMathParaPr>
+                    <m:oMath xmlns:m="http://schemas.openxmlformats.org/officeDocument/2006/math">
+                      <m:r>
+                        <a:rPr lang="de-AT" b="0" i="1" smtClean="0">
+                          <a:latin typeface="Cambria Math"/>
+                        </a:rPr>
+                        <m:t>𝐺</m:t>
+                      </m:r>
+                      <m:sSub>
+                        <m:sSubPr>
+                          <m:ctrlPr>
+                            <a:rPr lang="de-AT" b="0" i="1" smtClean="0">
+                              <a:latin typeface="Cambria Math"/>
+                            </a:rPr>
+                          </m:ctrlPr>
+                        </m:sSubPr>
+                        <m:e>
+                          <m:r>
+                            <a:rPr lang="de-AT" b="0" i="1" smtClean="0">
+                              <a:latin typeface="Cambria Math"/>
+                            </a:rPr>
+                            <m:t>𝐴</m:t>
+                          </m:r>
+                        </m:e>
+                        <m:sub>
+                          <m:r>
+                            <a:rPr lang="de-AT" b="0" i="1" smtClean="0">
+                              <a:latin typeface="Cambria Math"/>
+                            </a:rPr>
+                            <m:t>𝐴</m:t>
+                          </m:r>
+                        </m:sub>
+                      </m:sSub>
+                      <m:r>
+                        <a:rPr lang="de-AT" b="0" i="1" smtClean="0">
+                          <a:latin typeface="Cambria Math"/>
+                        </a:rPr>
+                        <m:t>=∑</m:t>
+                      </m:r>
+                      <m:sSub>
+                        <m:sSubPr>
+                          <m:ctrlPr>
+                            <a:rPr lang="de-AT" b="0" i="1" smtClean="0">
+                              <a:latin typeface="Cambria Math"/>
+                            </a:rPr>
+                          </m:ctrlPr>
+                        </m:sSubPr>
+                        <m:e>
+                          <m:r>
+                            <a:rPr lang="de-AT" b="0" i="1" smtClean="0">
+                              <a:latin typeface="Cambria Math"/>
+                            </a:rPr>
+                            <m:t>𝐺</m:t>
+                          </m:r>
+                        </m:e>
+                        <m:sub>
+                          <m:r>
+                            <a:rPr lang="de-AT" b="0" i="1" smtClean="0">
+                              <a:latin typeface="Cambria Math"/>
+                            </a:rPr>
+                            <m:t>𝑖</m:t>
+                          </m:r>
+                        </m:sub>
+                      </m:sSub>
+                      <m:sSub>
+                        <m:sSubPr>
+                          <m:ctrlPr>
+                            <a:rPr lang="de-AT" b="0" i="1" smtClean="0">
+                              <a:latin typeface="Cambria Math"/>
+                            </a:rPr>
+                          </m:ctrlPr>
+                        </m:sSubPr>
+                        <m:e>
+                          <m:r>
+                            <a:rPr lang="de-AT" b="0" i="1" smtClean="0">
+                              <a:latin typeface="Cambria Math"/>
+                            </a:rPr>
+                            <m:t>𝐴</m:t>
+                          </m:r>
+                        </m:e>
+                        <m:sub>
+                          <m:r>
+                            <a:rPr lang="de-AT" b="0" i="1" smtClean="0">
+                              <a:latin typeface="Cambria Math"/>
+                            </a:rPr>
+                            <m:t>𝑖</m:t>
+                          </m:r>
+                        </m:sub>
+                      </m:sSub>
+                    </m:oMath>
+                  </m:oMathPara>
+                </a14:m>
+                <a:endParaRPr lang="de-AT" dirty="0" smtClean="0"/>
+              </a:p>
+              <a:p>
+                <a:pPr marL="0" indent="0">
+                  <a:buNone/>
+                </a:pPr>
+                <a:endParaRPr lang="de-AT" dirty="0" smtClean="0"/>
+              </a:p>
+              <a:p>
+                <a:pPr marL="0" indent="0">
+                  <a:buNone/>
+                </a:pPr>
+                <a:r>
+                  <a:rPr lang="de-AT" dirty="0" smtClean="0"/>
+                  <a:t>Beam B</a:t>
+                </a:r>
+              </a:p>
+              <a:p>
+                <a:pPr marL="0" indent="0">
+                  <a:buNone/>
+                </a:pPr>
+                <a14:m>
+                  <m:oMathPara xmlns:m="http://schemas.openxmlformats.org/officeDocument/2006/math">
+                    <m:oMathParaPr>
+                      <m:jc m:val="centerGroup"/>
+                    </m:oMathParaPr>
+                    <m:oMath xmlns:m="http://schemas.openxmlformats.org/officeDocument/2006/math">
+                      <m:r>
+                        <a:rPr lang="de-AT" b="0" i="1" smtClean="0">
+                          <a:latin typeface="Cambria Math"/>
+                        </a:rPr>
+                        <m:t>𝐸</m:t>
+                      </m:r>
+                      <m:sSub>
+                        <m:sSubPr>
+                          <m:ctrlPr>
+                            <a:rPr lang="de-AT" b="0" i="1" smtClean="0">
+                              <a:latin typeface="Cambria Math"/>
+                            </a:rPr>
+                          </m:ctrlPr>
+                        </m:sSubPr>
+                        <m:e>
+                          <m:r>
+                            <a:rPr lang="de-AT" b="0" i="1" smtClean="0">
+                              <a:latin typeface="Cambria Math"/>
+                            </a:rPr>
+                            <m:t>𝐼</m:t>
+                          </m:r>
+                        </m:e>
+                        <m:sub>
+                          <m:r>
+                            <a:rPr lang="de-AT" b="0" i="1" smtClean="0">
+                              <a:latin typeface="Cambria Math"/>
+                            </a:rPr>
+                            <m:t>𝐵</m:t>
+                          </m:r>
+                        </m:sub>
+                      </m:sSub>
+                      <m:r>
+                        <a:rPr lang="de-AT" b="0" i="1" smtClean="0">
+                          <a:latin typeface="Cambria Math"/>
+                        </a:rPr>
+                        <m:t>=∑</m:t>
+                      </m:r>
+                      <m:sSub>
+                        <m:sSubPr>
+                          <m:ctrlPr>
+                            <a:rPr lang="de-AT" b="0" i="1" smtClean="0">
+                              <a:latin typeface="Cambria Math"/>
+                            </a:rPr>
+                          </m:ctrlPr>
+                        </m:sSubPr>
+                        <m:e>
+                          <m:r>
+                            <a:rPr lang="de-AT" b="0" i="1" smtClean="0">
+                              <a:latin typeface="Cambria Math"/>
+                            </a:rPr>
+                            <m:t>𝑧</m:t>
+                          </m:r>
+                        </m:e>
+                        <m:sub>
+                          <m:r>
+                            <a:rPr lang="de-AT" b="0" i="1" smtClean="0">
+                              <a:latin typeface="Cambria Math"/>
+                            </a:rPr>
+                            <m:t>𝑠</m:t>
+                          </m:r>
+                          <m:r>
+                            <a:rPr lang="de-AT" b="0" i="1" smtClean="0">
+                              <a:latin typeface="Cambria Math"/>
+                            </a:rPr>
+                            <m:t>,</m:t>
+                          </m:r>
+                          <m:r>
+                            <a:rPr lang="de-AT" b="0" i="1" smtClean="0">
+                              <a:latin typeface="Cambria Math"/>
+                            </a:rPr>
+                            <m:t>𝑖</m:t>
+                          </m:r>
+                        </m:sub>
+                      </m:sSub>
+                      <m:sSub>
+                        <m:sSubPr>
+                          <m:ctrlPr>
+                            <a:rPr lang="de-AT" b="0" i="1" smtClean="0">
+                              <a:latin typeface="Cambria Math"/>
+                            </a:rPr>
+                          </m:ctrlPr>
+                        </m:sSubPr>
+                        <m:e>
+                          <m:r>
+                            <a:rPr lang="de-AT" b="0" i="1" smtClean="0">
+                              <a:latin typeface="Cambria Math"/>
+                            </a:rPr>
+                            <m:t>𝐸</m:t>
+                          </m:r>
+                        </m:e>
+                        <m:sub>
+                          <m:r>
+                            <a:rPr lang="de-AT" b="0" i="1" smtClean="0">
+                              <a:latin typeface="Cambria Math"/>
+                            </a:rPr>
+                            <m:t>𝑖</m:t>
+                          </m:r>
+                        </m:sub>
+                      </m:sSub>
+                      <m:sSub>
+                        <m:sSubPr>
+                          <m:ctrlPr>
+                            <a:rPr lang="de-AT" b="0" i="1" smtClean="0">
+                              <a:latin typeface="Cambria Math"/>
+                            </a:rPr>
+                          </m:ctrlPr>
+                        </m:sSubPr>
+                        <m:e>
+                          <m:r>
+                            <a:rPr lang="de-AT" b="0" i="1" smtClean="0">
+                              <a:latin typeface="Cambria Math"/>
+                            </a:rPr>
+                            <m:t>𝐴</m:t>
+                          </m:r>
+                        </m:e>
+                        <m:sub>
+                          <m:r>
+                            <a:rPr lang="de-AT" b="0" i="1" smtClean="0">
+                              <a:latin typeface="Cambria Math"/>
+                            </a:rPr>
+                            <m:t>𝑖</m:t>
+                          </m:r>
+                        </m:sub>
+                      </m:sSub>
+                    </m:oMath>
+                  </m:oMathPara>
+                </a14:m>
+                <a:endParaRPr lang="de-AT" dirty="0" smtClean="0"/>
+              </a:p>
+              <a:p>
+                <a:pPr marL="0" indent="0">
+                  <a:buNone/>
+                </a:pPr>
+                <a14:m>
+                  <m:oMathPara xmlns:m="http://schemas.openxmlformats.org/officeDocument/2006/math">
+                    <m:oMathParaPr>
+                      <m:jc m:val="centerGroup"/>
+                    </m:oMathParaPr>
+                    <m:oMath xmlns:m="http://schemas.openxmlformats.org/officeDocument/2006/math">
+                      <m:r>
+                        <a:rPr lang="de-AT" b="0" i="1" smtClean="0">
+                          <a:latin typeface="Cambria Math"/>
+                        </a:rPr>
+                        <m:t>𝐺</m:t>
+                      </m:r>
+                      <m:sSub>
+                        <m:sSubPr>
+                          <m:ctrlPr>
+                            <a:rPr lang="de-AT" b="0" i="1" smtClean="0">
+                              <a:latin typeface="Cambria Math"/>
+                            </a:rPr>
+                          </m:ctrlPr>
+                        </m:sSubPr>
+                        <m:e>
+                          <m:r>
+                            <a:rPr lang="de-AT" b="0" i="1" smtClean="0">
+                              <a:latin typeface="Cambria Math"/>
+                            </a:rPr>
+                            <m:t>𝐴</m:t>
+                          </m:r>
+                        </m:e>
+                        <m:sub>
+                          <m:r>
+                            <a:rPr lang="de-AT" b="0" i="1" smtClean="0">
+                              <a:latin typeface="Cambria Math"/>
+                            </a:rPr>
+                            <m:t>𝐵</m:t>
+                          </m:r>
+                        </m:sub>
+                      </m:sSub>
+                      <m:r>
+                        <a:rPr lang="de-AT" b="0" i="1" smtClean="0">
+                          <a:latin typeface="Cambria Math"/>
+                        </a:rPr>
+                        <m:t>=</m:t>
+                      </m:r>
+                      <m:r>
+                        <a:rPr lang="de-AT" b="0" i="1" smtClean="0">
+                          <a:latin typeface="Cambria Math"/>
+                        </a:rPr>
+                        <m:t>𝑆</m:t>
+                      </m:r>
+                      <m:r>
+                        <a:rPr lang="de-AT" b="0" i="1" smtClean="0">
+                          <a:latin typeface="Cambria Math"/>
+                        </a:rPr>
+                        <m:t>(</m:t>
+                      </m:r>
+                      <m:sSub>
+                        <m:sSubPr>
+                          <m:ctrlPr>
+                            <a:rPr lang="de-AT" b="0" i="1" smtClean="0">
+                              <a:latin typeface="Cambria Math"/>
+                            </a:rPr>
+                          </m:ctrlPr>
+                        </m:sSubPr>
+                        <m:e>
+                          <m:r>
+                            <a:rPr lang="de-AT" b="0" i="1" smtClean="0">
+                              <a:latin typeface="Cambria Math"/>
+                            </a:rPr>
+                            <m:t>𝑐</m:t>
+                          </m:r>
+                        </m:e>
+                        <m:sub>
+                          <m:r>
+                            <a:rPr lang="de-AT" b="0" i="1" smtClean="0">
+                              <a:latin typeface="Cambria Math"/>
+                            </a:rPr>
+                            <m:t>𝑖</m:t>
+                          </m:r>
+                        </m:sub>
+                      </m:sSub>
+                      <m:r>
+                        <a:rPr lang="de-AT" b="0" i="1" smtClean="0">
+                          <a:latin typeface="Cambria Math"/>
+                        </a:rPr>
+                        <m:t>,</m:t>
+                      </m:r>
+                      <m:sSub>
+                        <m:sSubPr>
+                          <m:ctrlPr>
+                            <a:rPr lang="de-AT" b="0" i="1" smtClean="0">
+                              <a:latin typeface="Cambria Math"/>
+                            </a:rPr>
+                          </m:ctrlPr>
+                        </m:sSubPr>
+                        <m:e>
+                          <m:r>
+                            <a:rPr lang="de-AT" b="0" i="1" smtClean="0">
+                              <a:latin typeface="Cambria Math"/>
+                            </a:rPr>
+                            <m:t>𝐺</m:t>
+                          </m:r>
+                        </m:e>
+                        <m:sub>
+                          <m:r>
+                            <a:rPr lang="de-AT" b="0" i="1" smtClean="0">
+                              <a:latin typeface="Cambria Math"/>
+                            </a:rPr>
+                            <m:t>𝑖</m:t>
+                          </m:r>
+                        </m:sub>
+                      </m:sSub>
+                      <m:r>
+                        <a:rPr lang="de-AT" b="0" i="1" smtClean="0">
+                          <a:latin typeface="Cambria Math"/>
+                        </a:rPr>
+                        <m:t>,</m:t>
+                      </m:r>
+                      <m:r>
+                        <a:rPr lang="de-AT" b="0" i="1" smtClean="0">
+                          <a:latin typeface="Cambria Math"/>
+                        </a:rPr>
+                        <m:t>𝑎</m:t>
+                      </m:r>
+                      <m:r>
+                        <a:rPr lang="de-AT" b="0" i="1" smtClean="0">
+                          <a:latin typeface="Cambria Math"/>
+                        </a:rPr>
+                        <m:t>)</m:t>
+                      </m:r>
+                    </m:oMath>
+                  </m:oMathPara>
+                </a14:m>
+                <a:endParaRPr lang="de-AT" dirty="0"/>
+              </a:p>
+            </p:txBody>
+          </p:sp>
+        </mc:Choice>
+        <mc:Fallback>
+          <p:sp>
+            <p:nvSpPr>
+              <p:cNvPr id="6" name="Inhaltsplatzhalter 5"/>
+              <p:cNvSpPr>
+                <a:spLocks noGrp="1" noRot="1" noChangeAspect="1" noMove="1" noResize="1" noEditPoints="1" noAdjustHandles="1" noChangeArrowheads="1" noChangeShapeType="1" noTextEdit="1"/>
+              </p:cNvSpPr>
+              <p:nvPr>
+                <p:ph sz="half" idx="1"/>
+              </p:nvPr>
+            </p:nvSpPr>
+            <p:spPr>
+              <a:blipFill rotWithShape="1">
+                <a:blip r:embed="rId2"/>
+                <a:stretch>
+                  <a:fillRect l="-3017" t="-1213"/>
+                </a:stretch>
+              </a:blipFill>
+            </p:spPr>
+            <p:txBody>
+              <a:bodyPr/>
+              <a:lstStyle/>
+              <a:p>
+                <a:r>
+                  <a:rPr lang="de-AT">
+                    <a:noFill/>
+                  </a:rPr>
+                  <a:t> </a:t>
+                </a:r>
+              </a:p>
+            </p:txBody>
+          </p:sp>
+        </mc:Fallback>
+      </mc:AlternateContent>
+      <p:pic>
+        <p:nvPicPr>
+          <p:cNvPr id="5" name="Inhaltsplatzhalter 11"/>
+          <p:cNvPicPr>
+            <a:picLocks noChangeAspect="1"/>
+          </p:cNvPicPr>
+          <p:nvPr/>
+        </p:nvPicPr>
+        <p:blipFill>
+          <a:blip r:embed="rId3" cstate="print">
+            <a:extLst>
+              <a:ext uri="{28A0092B-C50C-407E-A947-70E740481C1C}">
+                <a14:useLocalDpi xmlns:a14="http://schemas.microsoft.com/office/drawing/2010/main" val="0"/>
+              </a:ext>
+            </a:extLst>
+          </a:blip>
+          <a:stretch>
+            <a:fillRect/>
+          </a:stretch>
+        </p:blipFill>
+        <p:spPr>
+          <a:xfrm>
+            <a:off x="5198361" y="1556792"/>
+            <a:ext cx="2938278" cy="1929388"/>
+          </a:xfrm>
+          <a:prstGeom prst="rect">
+            <a:avLst/>
+          </a:prstGeom>
+        </p:spPr>
+      </p:pic>
+      <mc:AlternateContent xmlns:mc="http://schemas.openxmlformats.org/markup-compatibility/2006">
+        <mc:Choice xmlns:a14="http://schemas.microsoft.com/office/drawing/2010/main" Requires="a14">
+          <p:sp>
+            <p:nvSpPr>
+              <p:cNvPr id="7" name="Textfeld 6"/>
+              <p:cNvSpPr txBox="1"/>
+              <p:nvPr/>
+            </p:nvSpPr>
+            <p:spPr>
+              <a:xfrm>
+                <a:off x="7386242" y="4446404"/>
+                <a:ext cx="1128835" cy="369332"/>
+              </a:xfrm>
+              <a:prstGeom prst="rect">
+                <a:avLst/>
+              </a:prstGeom>
+              <a:noFill/>
+            </p:spPr>
+            <p:txBody>
+              <a:bodyPr wrap="none" rtlCol="0">
+                <a:spAutoFit/>
+              </a:bodyPr>
+              <a:lstStyle/>
+              <a:p>
+                <a14:m>
+                  <m:oMathPara xmlns:m="http://schemas.openxmlformats.org/officeDocument/2006/math">
+                    <m:oMathParaPr>
+                      <m:jc m:val="centerGroup"/>
+                    </m:oMathParaPr>
+                    <m:oMath xmlns:m="http://schemas.openxmlformats.org/officeDocument/2006/math">
+                      <m:sSub>
+                        <m:sSubPr>
+                          <m:ctrlPr>
+                            <a:rPr lang="de-AT" b="0" i="1" smtClean="0">
+                              <a:latin typeface="Cambria Math"/>
+                            </a:rPr>
+                          </m:ctrlPr>
+                        </m:sSubPr>
+                        <m:e>
+                          <m:sSub>
+                            <m:sSubPr>
+                              <m:ctrlPr>
+                                <a:rPr lang="de-AT" b="0" i="1" smtClean="0">
+                                  <a:latin typeface="Cambria Math"/>
+                                </a:rPr>
+                              </m:ctrlPr>
+                            </m:sSubPr>
+                            <m:e>
+                              <m:r>
+                                <a:rPr lang="de-AT" b="0" i="1" smtClean="0">
+                                  <a:latin typeface="Cambria Math"/>
+                                </a:rPr>
+                                <m:t>h</m:t>
+                              </m:r>
+                            </m:e>
+                            <m:sub>
+                              <m:r>
+                                <a:rPr lang="de-AT" b="0" i="1" smtClean="0">
+                                  <a:latin typeface="Cambria Math"/>
+                                </a:rPr>
+                                <m:t>1</m:t>
+                              </m:r>
+                            </m:sub>
+                          </m:sSub>
+                          <m:r>
+                            <a:rPr lang="de-AT" b="0" i="1" smtClean="0">
+                              <a:latin typeface="Cambria Math"/>
+                            </a:rPr>
+                            <m:t>;</m:t>
+                          </m:r>
+                          <m:r>
+                            <a:rPr lang="de-AT" b="0" i="1" smtClean="0">
+                              <a:latin typeface="Cambria Math"/>
+                            </a:rPr>
+                            <m:t>𝐸</m:t>
+                          </m:r>
+                        </m:e>
+                        <m:sub>
+                          <m:r>
+                            <a:rPr lang="de-AT" b="0" i="1" smtClean="0">
+                              <a:latin typeface="Cambria Math"/>
+                            </a:rPr>
+                            <m:t>1</m:t>
+                          </m:r>
+                        </m:sub>
+                      </m:sSub>
+                      <m:r>
+                        <a:rPr lang="de-AT" b="0" i="1" smtClean="0">
+                          <a:latin typeface="Cambria Math"/>
+                        </a:rPr>
+                        <m:t>,</m:t>
+                      </m:r>
+                      <m:sSub>
+                        <m:sSubPr>
+                          <m:ctrlPr>
+                            <a:rPr lang="de-AT" b="0" i="1" smtClean="0">
+                              <a:latin typeface="Cambria Math"/>
+                            </a:rPr>
+                          </m:ctrlPr>
+                        </m:sSubPr>
+                        <m:e>
+                          <m:r>
+                            <a:rPr lang="de-AT" b="0" i="1" smtClean="0">
+                              <a:latin typeface="Cambria Math"/>
+                            </a:rPr>
+                            <m:t>𝐺</m:t>
+                          </m:r>
+                        </m:e>
+                        <m:sub>
+                          <m:r>
+                            <a:rPr lang="de-AT" b="0" i="1" smtClean="0">
+                              <a:latin typeface="Cambria Math"/>
+                            </a:rPr>
+                            <m:t>1</m:t>
+                          </m:r>
+                        </m:sub>
+                      </m:sSub>
+                    </m:oMath>
+                  </m:oMathPara>
+                </a14:m>
+                <a:endParaRPr lang="de-AT" dirty="0"/>
+              </a:p>
+            </p:txBody>
+          </p:sp>
+        </mc:Choice>
+        <mc:Fallback>
+          <p:sp>
+            <p:nvSpPr>
+              <p:cNvPr id="7" name="Textfeld 6"/>
+              <p:cNvSpPr txBox="1">
+                <a:spLocks noRot="1" noChangeAspect="1" noMove="1" noResize="1" noEditPoints="1" noAdjustHandles="1" noChangeArrowheads="1" noChangeShapeType="1" noTextEdit="1"/>
+              </p:cNvSpPr>
+              <p:nvPr/>
+            </p:nvSpPr>
+            <p:spPr>
+              <a:xfrm>
+                <a:off x="7386242" y="4446404"/>
+                <a:ext cx="1128835" cy="369332"/>
+              </a:xfrm>
+              <a:prstGeom prst="rect">
+                <a:avLst/>
+              </a:prstGeom>
+              <a:blipFill rotWithShape="1">
+                <a:blip r:embed="rId4"/>
+                <a:stretch>
+                  <a:fillRect/>
+                </a:stretch>
+              </a:blipFill>
+            </p:spPr>
+            <p:txBody>
+              <a:bodyPr/>
+              <a:lstStyle/>
+              <a:p>
+                <a:r>
+                  <a:rPr lang="de-AT">
+                    <a:noFill/>
+                  </a:rPr>
+                  <a:t> </a:t>
+                </a:r>
+              </a:p>
+            </p:txBody>
+          </p:sp>
+        </mc:Fallback>
+      </mc:AlternateContent>
+      <mc:AlternateContent xmlns:mc="http://schemas.openxmlformats.org/markup-compatibility/2006">
+        <mc:Choice xmlns:a14="http://schemas.microsoft.com/office/drawing/2010/main" Requires="a14">
+          <p:sp>
+            <p:nvSpPr>
+              <p:cNvPr id="9" name="Textfeld 8"/>
+              <p:cNvSpPr txBox="1"/>
+              <p:nvPr/>
+            </p:nvSpPr>
+            <p:spPr>
+              <a:xfrm>
+                <a:off x="7386242" y="4986217"/>
+                <a:ext cx="1567032" cy="369332"/>
+              </a:xfrm>
+              <a:prstGeom prst="rect">
+                <a:avLst/>
+              </a:prstGeom>
+              <a:noFill/>
+            </p:spPr>
+            <p:txBody>
+              <a:bodyPr wrap="none" rtlCol="0">
+                <a:spAutoFit/>
+              </a:bodyPr>
+              <a:lstStyle/>
+              <a:p>
+                <a14:m>
+                  <m:oMathPara xmlns:m="http://schemas.openxmlformats.org/officeDocument/2006/math">
+                    <m:oMathParaPr>
+                      <m:jc m:val="centerGroup"/>
+                    </m:oMathParaPr>
+                    <m:oMath xmlns:m="http://schemas.openxmlformats.org/officeDocument/2006/math">
+                      <m:sSub>
+                        <m:sSubPr>
+                          <m:ctrlPr>
+                            <a:rPr lang="de-AT" b="0" i="1" smtClean="0">
+                              <a:latin typeface="Cambria Math"/>
+                            </a:rPr>
+                          </m:ctrlPr>
+                        </m:sSubPr>
+                        <m:e>
+                          <m:sSub>
+                            <m:sSubPr>
+                              <m:ctrlPr>
+                                <a:rPr lang="de-AT" b="0" i="1" smtClean="0">
+                                  <a:latin typeface="Cambria Math"/>
+                                </a:rPr>
+                              </m:ctrlPr>
+                            </m:sSubPr>
+                            <m:e>
+                              <m:r>
+                                <a:rPr lang="de-AT" b="0" i="1" smtClean="0">
+                                  <a:latin typeface="Cambria Math"/>
+                                </a:rPr>
+                                <m:t>h</m:t>
+                              </m:r>
+                            </m:e>
+                            <m:sub>
+                              <m:r>
+                                <a:rPr lang="de-AT" b="0" i="1" smtClean="0">
+                                  <a:latin typeface="Cambria Math"/>
+                                </a:rPr>
+                                <m:t>2</m:t>
+                              </m:r>
+                            </m:sub>
+                          </m:sSub>
+                          <m:r>
+                            <a:rPr lang="de-AT" b="0" i="1" smtClean="0">
+                              <a:latin typeface="Cambria Math"/>
+                            </a:rPr>
+                            <m:t>;</m:t>
+                          </m:r>
+                          <m:r>
+                            <a:rPr lang="de-AT" b="0" i="1" smtClean="0">
+                              <a:latin typeface="Cambria Math"/>
+                            </a:rPr>
+                            <m:t>𝐸</m:t>
+                          </m:r>
+                        </m:e>
+                        <m:sub>
+                          <m:r>
+                            <a:rPr lang="de-AT" b="0" i="1" smtClean="0">
+                              <a:latin typeface="Cambria Math"/>
+                            </a:rPr>
+                            <m:t>2</m:t>
+                          </m:r>
+                        </m:sub>
+                      </m:sSub>
+                      <m:r>
+                        <a:rPr lang="de-AT" b="0" i="1" smtClean="0">
+                          <a:latin typeface="Cambria Math"/>
+                        </a:rPr>
+                        <m:t>,</m:t>
+                      </m:r>
+                      <m:sSub>
+                        <m:sSubPr>
+                          <m:ctrlPr>
+                            <a:rPr lang="de-AT" b="0" i="1" smtClean="0">
+                              <a:latin typeface="Cambria Math"/>
+                            </a:rPr>
+                          </m:ctrlPr>
+                        </m:sSubPr>
+                        <m:e>
+                          <m:r>
+                            <a:rPr lang="de-AT" b="0" i="1" smtClean="0">
+                              <a:latin typeface="Cambria Math"/>
+                            </a:rPr>
+                            <m:t>𝐺</m:t>
+                          </m:r>
+                        </m:e>
+                        <m:sub>
+                          <m:r>
+                            <a:rPr lang="de-AT" b="0" i="1" smtClean="0">
+                              <a:latin typeface="Cambria Math"/>
+                            </a:rPr>
+                            <m:t>2</m:t>
+                          </m:r>
+                        </m:sub>
+                      </m:sSub>
+                      <m:r>
+                        <a:rPr lang="de-AT" b="0" i="1" smtClean="0">
+                          <a:latin typeface="Cambria Math"/>
+                        </a:rPr>
+                        <m:t>(</m:t>
+                      </m:r>
+                      <m:sSub>
+                        <m:sSubPr>
+                          <m:ctrlPr>
+                            <a:rPr lang="de-AT" b="0" i="1" smtClean="0">
+                              <a:latin typeface="Cambria Math"/>
+                            </a:rPr>
+                          </m:ctrlPr>
+                        </m:sSubPr>
+                        <m:e>
+                          <m:r>
+                            <a:rPr lang="de-AT" b="0" i="1" smtClean="0">
+                              <a:latin typeface="Cambria Math"/>
+                            </a:rPr>
+                            <m:t>𝜌</m:t>
+                          </m:r>
+                        </m:e>
+                        <m:sub>
+                          <m:r>
+                            <a:rPr lang="de-AT" b="0" i="1" smtClean="0">
+                              <a:latin typeface="Cambria Math"/>
+                            </a:rPr>
+                            <m:t>2</m:t>
+                          </m:r>
+                        </m:sub>
+                      </m:sSub>
+                      <m:r>
+                        <a:rPr lang="de-AT" b="0" i="1" smtClean="0">
+                          <a:latin typeface="Cambria Math"/>
+                        </a:rPr>
+                        <m:t>)</m:t>
+                      </m:r>
+                    </m:oMath>
+                  </m:oMathPara>
+                </a14:m>
+                <a:endParaRPr lang="de-AT" dirty="0"/>
+              </a:p>
+            </p:txBody>
+          </p:sp>
+        </mc:Choice>
+        <mc:Fallback>
+          <p:sp>
+            <p:nvSpPr>
+              <p:cNvPr id="9" name="Textfeld 8"/>
+              <p:cNvSpPr txBox="1">
+                <a:spLocks noRot="1" noChangeAspect="1" noMove="1" noResize="1" noEditPoints="1" noAdjustHandles="1" noChangeArrowheads="1" noChangeShapeType="1" noTextEdit="1"/>
+              </p:cNvSpPr>
+              <p:nvPr/>
+            </p:nvSpPr>
+            <p:spPr>
+              <a:xfrm>
+                <a:off x="7386242" y="4986217"/>
+                <a:ext cx="1567032" cy="369332"/>
+              </a:xfrm>
+              <a:prstGeom prst="rect">
+                <a:avLst/>
+              </a:prstGeom>
+              <a:blipFill rotWithShape="1">
+                <a:blip r:embed="rId5"/>
+                <a:stretch>
+                  <a:fillRect b="-11475"/>
+                </a:stretch>
+              </a:blipFill>
+            </p:spPr>
+            <p:txBody>
+              <a:bodyPr/>
+              <a:lstStyle/>
+              <a:p>
+                <a:r>
+                  <a:rPr lang="de-AT">
+                    <a:noFill/>
+                  </a:rPr>
+                  <a:t> </a:t>
+                </a:r>
+              </a:p>
+            </p:txBody>
+          </p:sp>
+        </mc:Fallback>
+      </mc:AlternateContent>
+      <mc:AlternateContent xmlns:mc="http://schemas.openxmlformats.org/markup-compatibility/2006">
+        <mc:Choice xmlns:a14="http://schemas.microsoft.com/office/drawing/2010/main" Requires="a14">
+          <p:sp>
+            <p:nvSpPr>
+              <p:cNvPr id="10" name="Textfeld 9"/>
+              <p:cNvSpPr txBox="1"/>
+              <p:nvPr/>
+            </p:nvSpPr>
+            <p:spPr>
+              <a:xfrm>
+                <a:off x="7386242" y="5670540"/>
+                <a:ext cx="1144801" cy="369332"/>
+              </a:xfrm>
+              <a:prstGeom prst="rect">
+                <a:avLst/>
+              </a:prstGeom>
+              <a:noFill/>
+            </p:spPr>
+            <p:txBody>
+              <a:bodyPr wrap="none" rtlCol="0">
+                <a:spAutoFit/>
+              </a:bodyPr>
+              <a:lstStyle/>
+              <a:p>
+                <a14:m>
+                  <m:oMathPara xmlns:m="http://schemas.openxmlformats.org/officeDocument/2006/math">
+                    <m:oMathParaPr>
+                      <m:jc m:val="centerGroup"/>
+                    </m:oMathParaPr>
+                    <m:oMath xmlns:m="http://schemas.openxmlformats.org/officeDocument/2006/math">
+                      <m:sSub>
+                        <m:sSubPr>
+                          <m:ctrlPr>
+                            <a:rPr lang="de-AT" b="0" i="1" smtClean="0">
+                              <a:latin typeface="Cambria Math"/>
+                            </a:rPr>
+                          </m:ctrlPr>
+                        </m:sSubPr>
+                        <m:e>
+                          <m:sSub>
+                            <m:sSubPr>
+                              <m:ctrlPr>
+                                <a:rPr lang="de-AT" b="0" i="1" smtClean="0">
+                                  <a:latin typeface="Cambria Math"/>
+                                </a:rPr>
+                              </m:ctrlPr>
+                            </m:sSubPr>
+                            <m:e>
+                              <m:r>
+                                <a:rPr lang="de-AT" b="0" i="1" smtClean="0">
+                                  <a:latin typeface="Cambria Math"/>
+                                </a:rPr>
+                                <m:t>h</m:t>
+                              </m:r>
+                            </m:e>
+                            <m:sub>
+                              <m:r>
+                                <a:rPr lang="de-AT" b="0" i="1" smtClean="0">
+                                  <a:latin typeface="Cambria Math"/>
+                                </a:rPr>
+                                <m:t>3</m:t>
+                              </m:r>
+                            </m:sub>
+                          </m:sSub>
+                          <m:r>
+                            <a:rPr lang="de-AT" b="0" i="1" smtClean="0">
+                              <a:latin typeface="Cambria Math"/>
+                            </a:rPr>
+                            <m:t>;</m:t>
+                          </m:r>
+                          <m:r>
+                            <a:rPr lang="de-AT" b="0" i="1" smtClean="0">
+                              <a:latin typeface="Cambria Math"/>
+                            </a:rPr>
+                            <m:t>𝐸</m:t>
+                          </m:r>
+                        </m:e>
+                        <m:sub>
+                          <m:r>
+                            <a:rPr lang="de-AT" b="0" i="1" smtClean="0">
+                              <a:latin typeface="Cambria Math"/>
+                            </a:rPr>
+                            <m:t>3</m:t>
+                          </m:r>
+                        </m:sub>
+                      </m:sSub>
+                      <m:r>
+                        <a:rPr lang="de-AT" b="0" i="1" smtClean="0">
+                          <a:latin typeface="Cambria Math"/>
+                        </a:rPr>
+                        <m:t>,</m:t>
+                      </m:r>
+                      <m:sSub>
+                        <m:sSubPr>
+                          <m:ctrlPr>
+                            <a:rPr lang="de-AT" b="0" i="1" smtClean="0">
+                              <a:latin typeface="Cambria Math"/>
+                            </a:rPr>
+                          </m:ctrlPr>
+                        </m:sSubPr>
+                        <m:e>
+                          <m:r>
+                            <a:rPr lang="de-AT" b="0" i="1" smtClean="0">
+                              <a:latin typeface="Cambria Math"/>
+                            </a:rPr>
+                            <m:t>𝐺</m:t>
+                          </m:r>
+                        </m:e>
+                        <m:sub>
+                          <m:r>
+                            <a:rPr lang="de-AT" b="0" i="1" smtClean="0">
+                              <a:latin typeface="Cambria Math"/>
+                            </a:rPr>
+                            <m:t>3</m:t>
+                          </m:r>
+                        </m:sub>
+                      </m:sSub>
+                    </m:oMath>
+                  </m:oMathPara>
+                </a14:m>
+                <a:endParaRPr lang="de-AT" dirty="0"/>
+              </a:p>
+            </p:txBody>
+          </p:sp>
+        </mc:Choice>
+        <mc:Fallback>
+          <p:sp>
+            <p:nvSpPr>
+              <p:cNvPr id="10" name="Textfeld 9"/>
+              <p:cNvSpPr txBox="1">
+                <a:spLocks noRot="1" noChangeAspect="1" noMove="1" noResize="1" noEditPoints="1" noAdjustHandles="1" noChangeArrowheads="1" noChangeShapeType="1" noTextEdit="1"/>
+              </p:cNvSpPr>
+              <p:nvPr/>
+            </p:nvSpPr>
+            <p:spPr>
+              <a:xfrm>
+                <a:off x="7386242" y="5670540"/>
+                <a:ext cx="1144801" cy="369332"/>
+              </a:xfrm>
+              <a:prstGeom prst="rect">
+                <a:avLst/>
+              </a:prstGeom>
+              <a:blipFill rotWithShape="1">
+                <a:blip r:embed="rId6"/>
+                <a:stretch>
+                  <a:fillRect/>
+                </a:stretch>
+              </a:blipFill>
+            </p:spPr>
+            <p:txBody>
+              <a:bodyPr/>
+              <a:lstStyle/>
+              <a:p>
+                <a:r>
+                  <a:rPr lang="de-AT">
+                    <a:noFill/>
+                  </a:rPr>
+                  <a:t> </a:t>
+                </a:r>
+              </a:p>
+            </p:txBody>
+          </p:sp>
+        </mc:Fallback>
+      </mc:AlternateContent>
+      <p:pic>
+        <p:nvPicPr>
+          <p:cNvPr id="11" name="Inhaltsplatzhalter 7"/>
+          <p:cNvPicPr>
+            <a:picLocks noChangeAspect="1"/>
+          </p:cNvPicPr>
+          <p:nvPr/>
+        </p:nvPicPr>
+        <p:blipFill rotWithShape="1">
+          <a:blip r:embed="rId7" cstate="print">
+            <a:extLst>
+              <a:ext uri="{28A0092B-C50C-407E-A947-70E740481C1C}">
+                <a14:useLocalDpi xmlns:a14="http://schemas.microsoft.com/office/drawing/2010/main" val="0"/>
+              </a:ext>
+            </a:extLst>
+          </a:blip>
+          <a:srcRect l="39040" t="2554" r="40513" b="69355"/>
+          <a:stretch/>
+        </p:blipFill>
+        <p:spPr>
+          <a:xfrm>
+            <a:off x="5079029" y="4374396"/>
+            <a:ext cx="2160232" cy="1948903"/>
+          </a:xfrm>
+          <a:prstGeom prst="rect">
+            <a:avLst/>
+          </a:prstGeom>
+        </p:spPr>
+      </p:pic>
+    </p:spTree>
+    <p:extLst>
+      <p:ext uri="{BB962C8B-B14F-4D97-AF65-F5344CB8AC3E}">
+        <p14:creationId xmlns:p14="http://schemas.microsoft.com/office/powerpoint/2010/main" val="1430766351"/>
+      </p:ext>
+    </p:extLst>
+  </p:cSld>
+  <p:clrMapOvr>
+    <a:masterClrMapping/>
+  </p:clrMapOvr>
+</p:sld>
+</file>
+
+<file path=ppt/slides/slide5.xml><?xml version="1.0" encoding="utf-8"?>
+<p:sld xmlns:a="http://schemas.openxmlformats.org/drawingml/2006/main" xmlns:r="http://schemas.openxmlformats.org/officeDocument/2006/relationships" xmlns:p="http://schemas.openxmlformats.org/presentationml/2006/main">
+  <p:cSld>
+    <p:spTree>
+      <p:nvGrpSpPr>
+        <p:cNvPr id="1" name=""/>
+        <p:cNvGrpSpPr/>
+        <p:nvPr/>
+      </p:nvGrpSpPr>
+      <p:grpSpPr>
+        <a:xfrm>
+          <a:off x="0" y="0"/>
+          <a:ext cx="0" cy="0"/>
+          <a:chOff x="0" y="0"/>
+          <a:chExt cx="0" cy="0"/>
+        </a:xfrm>
+      </p:grpSpPr>
+      <p:sp>
+        <p:nvSpPr>
+          <p:cNvPr id="2" name="Titel 1"/>
+          <p:cNvSpPr>
+            <a:spLocks noGrp="1"/>
+          </p:cNvSpPr>
+          <p:nvPr>
+            <p:ph type="title"/>
+          </p:nvPr>
+        </p:nvSpPr>
+        <p:spPr/>
+        <p:txBody>
+          <a:bodyPr/>
+          <a:lstStyle/>
+          <a:p>
+            <a:r>
+              <a:rPr lang="de-AT" dirty="0" smtClean="0"/>
+              <a:t>The </a:t>
+            </a:r>
+            <a:r>
+              <a:rPr lang="de-AT" dirty="0" err="1" smtClean="0"/>
+              <a:t>Analogy</a:t>
+            </a:r>
+            <a:endParaRPr lang="de-AT" dirty="0"/>
+          </a:p>
+        </p:txBody>
+      </p:sp>
+      <mc:AlternateContent xmlns:mc="http://schemas.openxmlformats.org/markup-compatibility/2006">
+        <mc:Choice xmlns:a14="http://schemas.microsoft.com/office/drawing/2010/main" Requires="a14">
+          <p:sp>
+            <p:nvSpPr>
+              <p:cNvPr id="6" name="Inhaltsplatzhalter 5"/>
+              <p:cNvSpPr>
+                <a:spLocks noGrp="1"/>
+              </p:cNvSpPr>
+              <p:nvPr>
+                <p:ph sz="half" idx="1"/>
+              </p:nvPr>
+            </p:nvSpPr>
+            <p:spPr/>
+            <p:txBody>
+              <a:bodyPr/>
+              <a:lstStyle/>
+              <a:p>
+                <a:pPr marL="0" indent="0">
+                  <a:buNone/>
+                </a:pPr>
+                <a:r>
+                  <a:rPr lang="de-AT" dirty="0" smtClean="0"/>
+                  <a:t>o</a:t>
+                </a:r>
+                <a:r>
+                  <a:rPr lang="de-AT" dirty="0" err="1" smtClean="0"/>
+                  <a:t>bjective</a:t>
+                </a:r>
+                <a:r>
+                  <a:rPr lang="de-AT" dirty="0" smtClean="0"/>
+                  <a:t> </a:t>
+                </a:r>
+                <a:r>
+                  <a:rPr lang="de-AT" dirty="0" err="1"/>
+                  <a:t>f</a:t>
+                </a:r>
+                <a:r>
+                  <a:rPr lang="de-AT" dirty="0" err="1" smtClean="0"/>
+                  <a:t>unction</a:t>
+                </a:r>
+                <a:endParaRPr lang="de-AT" dirty="0" smtClean="0"/>
+              </a:p>
+              <a:p>
+                <a:pPr marL="0" indent="0">
+                  <a:buNone/>
+                </a:pPr>
+                <a14:m>
+                  <m:oMathPara xmlns:m="http://schemas.openxmlformats.org/officeDocument/2006/math">
+                    <m:oMathParaPr>
+                      <m:jc m:val="centerGroup"/>
+                    </m:oMathParaPr>
+                    <m:oMath xmlns:m="http://schemas.openxmlformats.org/officeDocument/2006/math">
+                      <m:r>
+                        <a:rPr lang="de-AT" b="0" i="1" smtClean="0">
+                          <a:latin typeface="Cambria Math"/>
+                        </a:rPr>
+                        <m:t>𝑤𝑒𝑖𝑔h𝑡</m:t>
+                      </m:r>
+                      <m:r>
+                        <a:rPr lang="de-AT" b="0" i="1" smtClean="0">
+                          <a:latin typeface="Cambria Math"/>
+                        </a:rPr>
+                        <m:t>(</m:t>
+                      </m:r>
+                      <m:sSub>
+                        <m:sSubPr>
+                          <m:ctrlPr>
+                            <a:rPr lang="de-AT" b="0" i="1" smtClean="0">
+                              <a:latin typeface="Cambria Math"/>
+                            </a:rPr>
+                          </m:ctrlPr>
+                        </m:sSubPr>
+                        <m:e>
+                          <m:r>
+                            <a:rPr lang="de-AT" b="0" i="1" smtClean="0">
+                              <a:latin typeface="Cambria Math"/>
+                            </a:rPr>
+                            <m:t>h</m:t>
+                          </m:r>
+                        </m:e>
+                        <m:sub>
+                          <m:r>
+                            <a:rPr lang="de-AT" b="0" i="1" smtClean="0">
+                              <a:latin typeface="Cambria Math"/>
+                            </a:rPr>
+                            <m:t>2</m:t>
+                          </m:r>
+                        </m:sub>
+                      </m:sSub>
+                      <m:r>
+                        <a:rPr lang="de-AT" b="0" i="1" smtClean="0">
+                          <a:latin typeface="Cambria Math"/>
+                        </a:rPr>
+                        <m:t>, </m:t>
+                      </m:r>
+                      <m:sSub>
+                        <m:sSubPr>
+                          <m:ctrlPr>
+                            <a:rPr lang="de-AT" b="0" i="1" smtClean="0">
+                              <a:latin typeface="Cambria Math"/>
+                            </a:rPr>
+                          </m:ctrlPr>
+                        </m:sSubPr>
+                        <m:e>
+                          <m:r>
+                            <a:rPr lang="de-AT" b="0" i="1" smtClean="0">
+                              <a:latin typeface="Cambria Math"/>
+                            </a:rPr>
+                            <m:t>h</m:t>
+                          </m:r>
+                        </m:e>
+                        <m:sub>
+                          <m:r>
+                            <a:rPr lang="de-AT" b="0" i="1" smtClean="0">
+                              <a:latin typeface="Cambria Math"/>
+                            </a:rPr>
+                            <m:t>3</m:t>
+                          </m:r>
+                        </m:sub>
+                      </m:sSub>
+                      <m:r>
+                        <a:rPr lang="de-AT" b="0" i="1" smtClean="0">
+                          <a:latin typeface="Cambria Math"/>
+                        </a:rPr>
+                        <m:t>, </m:t>
+                      </m:r>
+                      <m:d>
+                        <m:dPr>
+                          <m:begChr m:val="["/>
+                          <m:endChr m:val="]"/>
+                          <m:ctrlPr>
+                            <a:rPr lang="de-AT" b="0" i="1" smtClean="0">
+                              <a:latin typeface="Cambria Math"/>
+                            </a:rPr>
+                          </m:ctrlPr>
+                        </m:dPr>
+                        <m:e>
+                          <m:sSub>
+                            <m:sSubPr>
+                              <m:ctrlPr>
+                                <a:rPr lang="de-AT" b="0" i="1" smtClean="0">
+                                  <a:latin typeface="Cambria Math"/>
+                                </a:rPr>
+                              </m:ctrlPr>
+                            </m:sSubPr>
+                            <m:e>
+                              <m:r>
+                                <a:rPr lang="de-AT" b="0" i="1" smtClean="0">
+                                  <a:latin typeface="Cambria Math"/>
+                                </a:rPr>
+                                <m:t>𝜌</m:t>
+                              </m:r>
+                            </m:e>
+                            <m:sub>
+                              <m:r>
+                                <a:rPr lang="de-AT" b="0" i="1" smtClean="0">
+                                  <a:latin typeface="Cambria Math"/>
+                                </a:rPr>
+                                <m:t>2</m:t>
+                              </m:r>
+                            </m:sub>
+                          </m:sSub>
+                        </m:e>
+                      </m:d>
+                      <m:r>
+                        <a:rPr lang="de-AT" b="0" i="1" smtClean="0">
+                          <a:latin typeface="Cambria Math"/>
+                        </a:rPr>
+                        <m:t>)</m:t>
+                      </m:r>
+                    </m:oMath>
+                  </m:oMathPara>
+                </a14:m>
+                <a:endParaRPr lang="de-AT" dirty="0" smtClean="0"/>
+              </a:p>
+              <a:p>
+                <a:pPr marL="0" indent="0">
+                  <a:buNone/>
+                </a:pPr>
+                <a:endParaRPr lang="de-AT" dirty="0" smtClean="0"/>
+              </a:p>
+              <a:p>
+                <a:pPr marL="0" indent="0">
+                  <a:buNone/>
+                </a:pPr>
+                <a:r>
+                  <a:rPr lang="de-AT" dirty="0" err="1" smtClean="0"/>
+                  <a:t>constraints</a:t>
+                </a:r>
+                <a:endParaRPr lang="de-AT" dirty="0" smtClean="0"/>
+              </a:p>
+              <a:p>
+                <a:pPr marL="0" indent="0">
+                  <a:buNone/>
+                </a:pPr>
+                <a14:m>
+                  <m:oMathPara xmlns:m="http://schemas.openxmlformats.org/officeDocument/2006/math">
+                    <m:oMathParaPr>
+                      <m:jc m:val="centerGroup"/>
+                    </m:oMathParaPr>
+                    <m:oMath xmlns:m="http://schemas.openxmlformats.org/officeDocument/2006/math">
+                      <m:sSub>
+                        <m:sSubPr>
+                          <m:ctrlPr>
+                            <a:rPr lang="de-AT" b="0" i="1" smtClean="0">
+                              <a:latin typeface="Cambria Math"/>
+                            </a:rPr>
+                          </m:ctrlPr>
+                        </m:sSubPr>
+                        <m:e>
+                          <m:r>
+                            <a:rPr lang="de-AT" b="0" i="1" smtClean="0">
+                              <a:latin typeface="Cambria Math"/>
+                            </a:rPr>
+                            <m:t>𝑤</m:t>
+                          </m:r>
+                        </m:e>
+                        <m:sub>
+                          <m:r>
+                            <a:rPr lang="de-AT" b="0" i="1" smtClean="0">
+                              <a:latin typeface="Cambria Math"/>
+                            </a:rPr>
+                            <m:t>𝑥</m:t>
+                          </m:r>
+                          <m:r>
+                            <a:rPr lang="de-AT" b="0" i="1" smtClean="0">
+                              <a:latin typeface="Cambria Math"/>
+                            </a:rPr>
+                            <m:t>=</m:t>
+                          </m:r>
+                          <m:r>
+                            <a:rPr lang="de-AT" b="0" i="1" smtClean="0">
+                              <a:latin typeface="Cambria Math"/>
+                            </a:rPr>
+                            <m:t>𝑙</m:t>
+                          </m:r>
+                          <m:r>
+                            <a:rPr lang="de-AT" b="0" i="1" smtClean="0">
+                              <a:latin typeface="Cambria Math"/>
+                            </a:rPr>
+                            <m:t>/2</m:t>
+                          </m:r>
+                        </m:sub>
+                      </m:sSub>
+                      <m:r>
+                        <a:rPr lang="de-AT" i="1">
+                          <a:latin typeface="Cambria Math"/>
+                          <a:ea typeface="Cambria Math"/>
+                        </a:rPr>
+                        <m:t>≤</m:t>
+                      </m:r>
+                      <m:f>
+                        <m:fPr>
+                          <m:ctrlPr>
+                            <a:rPr lang="de-AT" b="0" i="1" smtClean="0">
+                              <a:latin typeface="Cambria Math"/>
+                              <a:ea typeface="Cambria Math"/>
+                            </a:rPr>
+                          </m:ctrlPr>
+                        </m:fPr>
+                        <m:num>
+                          <m:r>
+                            <a:rPr lang="de-AT" b="0" i="1" smtClean="0">
+                              <a:latin typeface="Cambria Math"/>
+                              <a:ea typeface="Cambria Math"/>
+                            </a:rPr>
+                            <m:t>𝑙</m:t>
+                          </m:r>
+                        </m:num>
+                        <m:den>
+                          <m:r>
+                            <a:rPr lang="de-AT" b="0" i="1" smtClean="0">
+                              <a:latin typeface="Cambria Math"/>
+                              <a:ea typeface="Cambria Math"/>
+                            </a:rPr>
+                            <m:t>400</m:t>
+                          </m:r>
+                        </m:den>
+                      </m:f>
+                    </m:oMath>
+                  </m:oMathPara>
+                </a14:m>
+                <a:endParaRPr lang="de-AT" b="0" dirty="0" smtClean="0">
+                  <a:ea typeface="Cambria Math"/>
+                </a:endParaRPr>
+              </a:p>
+              <a:p>
+                <a:pPr marL="0" indent="0">
+                  <a:buNone/>
+                </a:pPr>
+                <a:endParaRPr lang="de-AT" dirty="0" smtClean="0"/>
+              </a:p>
+              <a:p>
+                <a:pPr marL="0" indent="0">
+                  <a:buNone/>
+                </a:pPr>
+                <a:r>
+                  <a:rPr lang="de-AT" dirty="0" err="1" smtClean="0"/>
+                  <a:t>goal</a:t>
+                </a:r>
+                <a:endParaRPr lang="de-AT" dirty="0" smtClean="0"/>
+              </a:p>
+              <a:p>
+                <a:pPr marL="0" indent="0">
+                  <a:buNone/>
+                </a:pPr>
+                <a:r>
+                  <a:rPr lang="de-AT" dirty="0" smtClean="0"/>
+                  <a:t>min(</a:t>
+                </a:r>
+                <a:r>
+                  <a:rPr lang="de-AT" dirty="0" err="1" smtClean="0"/>
+                  <a:t>weight</a:t>
+                </a:r>
+                <a:r>
+                  <a:rPr lang="de-AT" dirty="0" smtClean="0"/>
+                  <a:t>)</a:t>
+                </a:r>
+                <a:endParaRPr lang="de-AT" dirty="0"/>
+              </a:p>
+            </p:txBody>
+          </p:sp>
+        </mc:Choice>
+        <mc:Fallback>
+          <p:sp>
+            <p:nvSpPr>
+              <p:cNvPr id="6" name="Inhaltsplatzhalter 5"/>
+              <p:cNvSpPr>
+                <a:spLocks noGrp="1" noRot="1" noChangeAspect="1" noMove="1" noResize="1" noEditPoints="1" noAdjustHandles="1" noChangeArrowheads="1" noChangeShapeType="1" noTextEdit="1"/>
+              </p:cNvSpPr>
+              <p:nvPr>
+                <p:ph sz="half" idx="1"/>
+              </p:nvPr>
+            </p:nvSpPr>
+            <p:spPr>
+              <a:blipFill rotWithShape="1">
+                <a:blip r:embed="rId2"/>
+                <a:stretch>
+                  <a:fillRect l="-3017" t="-1213"/>
+                </a:stretch>
+              </a:blipFill>
+            </p:spPr>
+            <p:txBody>
+              <a:bodyPr/>
+              <a:lstStyle/>
+              <a:p>
+                <a:r>
+                  <a:rPr lang="de-AT">
+                    <a:noFill/>
+                  </a:rPr>
+                  <a:t> </a:t>
+                </a:r>
+              </a:p>
+            </p:txBody>
+          </p:sp>
+        </mc:Fallback>
+      </mc:AlternateContent>
+      <p:pic>
+        <p:nvPicPr>
+          <p:cNvPr id="8" name="Inhaltsplatzhalter 7"/>
+          <p:cNvPicPr>
+            <a:picLocks noGrp="1" noChangeAspect="1"/>
+          </p:cNvPicPr>
+          <p:nvPr>
+            <p:ph sz="half" idx="2"/>
+          </p:nvPr>
+        </p:nvPicPr>
+        <p:blipFill rotWithShape="1">
+          <a:blip r:embed="rId3" cstate="print">
+            <a:extLst>
+              <a:ext uri="{28A0092B-C50C-407E-A947-70E740481C1C}">
+                <a14:useLocalDpi xmlns:a14="http://schemas.microsoft.com/office/drawing/2010/main" val="0"/>
+              </a:ext>
+            </a:extLst>
+          </a:blip>
+          <a:srcRect l="39040" t="2554" r="40513" b="69355"/>
+          <a:stretch/>
+        </p:blipFill>
+        <p:spPr>
+          <a:xfrm>
+            <a:off x="4932048" y="2708920"/>
+            <a:ext cx="2160232" cy="1948903"/>
+          </a:xfrm>
+        </p:spPr>
+      </p:pic>
+      <mc:AlternateContent xmlns:mc="http://schemas.openxmlformats.org/markup-compatibility/2006">
+        <mc:Choice xmlns:a14="http://schemas.microsoft.com/office/drawing/2010/main" Requires="a14">
+          <p:sp>
+            <p:nvSpPr>
+              <p:cNvPr id="3" name="Textfeld 2"/>
+              <p:cNvSpPr txBox="1"/>
+              <p:nvPr/>
+            </p:nvSpPr>
+            <p:spPr>
+              <a:xfrm>
+                <a:off x="7239261" y="2780928"/>
+                <a:ext cx="1128835" cy="369332"/>
+              </a:xfrm>
+              <a:prstGeom prst="rect">
+                <a:avLst/>
+              </a:prstGeom>
+              <a:noFill/>
+            </p:spPr>
+            <p:txBody>
+              <a:bodyPr wrap="none" rtlCol="0">
+                <a:spAutoFit/>
+              </a:bodyPr>
+              <a:lstStyle/>
+              <a:p>
+                <a14:m>
+                  <m:oMathPara xmlns:m="http://schemas.openxmlformats.org/officeDocument/2006/math">
+                    <m:oMathParaPr>
+                      <m:jc m:val="centerGroup"/>
+                    </m:oMathParaPr>
+                    <m:oMath xmlns:m="http://schemas.openxmlformats.org/officeDocument/2006/math">
+                      <m:sSub>
+                        <m:sSubPr>
+                          <m:ctrlPr>
+                            <a:rPr lang="de-AT" b="0" i="1" smtClean="0">
+                              <a:latin typeface="Cambria Math"/>
+                            </a:rPr>
+                          </m:ctrlPr>
+                        </m:sSubPr>
+                        <m:e>
+                          <m:sSub>
+                            <m:sSubPr>
+                              <m:ctrlPr>
+                                <a:rPr lang="de-AT" b="0" i="1" smtClean="0">
+                                  <a:latin typeface="Cambria Math"/>
+                                </a:rPr>
+                              </m:ctrlPr>
+                            </m:sSubPr>
+                            <m:e>
+                              <m:r>
+                                <a:rPr lang="de-AT" b="0" i="1" smtClean="0">
+                                  <a:latin typeface="Cambria Math"/>
+                                </a:rPr>
+                                <m:t>h</m:t>
+                              </m:r>
+                            </m:e>
+                            <m:sub>
+                              <m:r>
+                                <a:rPr lang="de-AT" b="0" i="1" smtClean="0">
+                                  <a:latin typeface="Cambria Math"/>
+                                </a:rPr>
+                                <m:t>1</m:t>
+                              </m:r>
+                            </m:sub>
+                          </m:sSub>
+                          <m:r>
+                            <a:rPr lang="de-AT" b="0" i="1" smtClean="0">
+                              <a:latin typeface="Cambria Math"/>
+                            </a:rPr>
+                            <m:t>;</m:t>
+                          </m:r>
+                          <m:r>
+                            <a:rPr lang="de-AT" b="0" i="1" smtClean="0">
+                              <a:latin typeface="Cambria Math"/>
+                            </a:rPr>
+                            <m:t>𝐸</m:t>
+                          </m:r>
+                        </m:e>
+                        <m:sub>
+                          <m:r>
+                            <a:rPr lang="de-AT" b="0" i="1" smtClean="0">
+                              <a:latin typeface="Cambria Math"/>
+                            </a:rPr>
+                            <m:t>1</m:t>
+                          </m:r>
+                        </m:sub>
+                      </m:sSub>
+                      <m:r>
+                        <a:rPr lang="de-AT" b="0" i="1" smtClean="0">
+                          <a:latin typeface="Cambria Math"/>
+                        </a:rPr>
+                        <m:t>,</m:t>
+                      </m:r>
+                      <m:sSub>
+                        <m:sSubPr>
+                          <m:ctrlPr>
+                            <a:rPr lang="de-AT" b="0" i="1" smtClean="0">
+                              <a:latin typeface="Cambria Math"/>
+                            </a:rPr>
+                          </m:ctrlPr>
+                        </m:sSubPr>
+                        <m:e>
+                          <m:r>
+                            <a:rPr lang="de-AT" b="0" i="1" smtClean="0">
+                              <a:latin typeface="Cambria Math"/>
+                            </a:rPr>
+                            <m:t>𝐺</m:t>
+                          </m:r>
+                        </m:e>
+                        <m:sub>
+                          <m:r>
+                            <a:rPr lang="de-AT" b="0" i="1" smtClean="0">
+                              <a:latin typeface="Cambria Math"/>
+                            </a:rPr>
+                            <m:t>1</m:t>
+                          </m:r>
+                        </m:sub>
+                      </m:sSub>
+                    </m:oMath>
+                  </m:oMathPara>
+                </a14:m>
+                <a:endParaRPr lang="de-AT" dirty="0"/>
+              </a:p>
+            </p:txBody>
+          </p:sp>
+        </mc:Choice>
+        <mc:Fallback>
+          <p:sp>
+            <p:nvSpPr>
+              <p:cNvPr id="3" name="Textfeld 2"/>
+              <p:cNvSpPr txBox="1">
+                <a:spLocks noRot="1" noChangeAspect="1" noMove="1" noResize="1" noEditPoints="1" noAdjustHandles="1" noChangeArrowheads="1" noChangeShapeType="1" noTextEdit="1"/>
+              </p:cNvSpPr>
+              <p:nvPr/>
+            </p:nvSpPr>
+            <p:spPr>
+              <a:xfrm>
+                <a:off x="7239261" y="2780928"/>
+                <a:ext cx="1128835" cy="369332"/>
+              </a:xfrm>
+              <a:prstGeom prst="rect">
+                <a:avLst/>
+              </a:prstGeom>
+              <a:blipFill rotWithShape="1">
+                <a:blip r:embed="rId4"/>
+                <a:stretch>
+                  <a:fillRect/>
+                </a:stretch>
+              </a:blipFill>
+            </p:spPr>
+            <p:txBody>
+              <a:bodyPr/>
+              <a:lstStyle/>
+              <a:p>
+                <a:r>
+                  <a:rPr lang="de-AT">
+                    <a:noFill/>
+                  </a:rPr>
+                  <a:t> </a:t>
+                </a:r>
+              </a:p>
+            </p:txBody>
+          </p:sp>
+        </mc:Fallback>
+      </mc:AlternateContent>
+      <mc:AlternateContent xmlns:mc="http://schemas.openxmlformats.org/markup-compatibility/2006">
+        <mc:Choice xmlns:a14="http://schemas.microsoft.com/office/drawing/2010/main" Requires="a14">
+          <p:sp>
+            <p:nvSpPr>
+              <p:cNvPr id="9" name="Textfeld 8"/>
+              <p:cNvSpPr txBox="1"/>
+              <p:nvPr/>
+            </p:nvSpPr>
+            <p:spPr>
+              <a:xfrm>
+                <a:off x="7239261" y="3320741"/>
+                <a:ext cx="1567032" cy="369332"/>
+              </a:xfrm>
+              <a:prstGeom prst="rect">
+                <a:avLst/>
+              </a:prstGeom>
+              <a:noFill/>
+            </p:spPr>
+            <p:txBody>
+              <a:bodyPr wrap="none" rtlCol="0">
+                <a:spAutoFit/>
+              </a:bodyPr>
+              <a:lstStyle/>
+              <a:p>
+                <a14:m>
+                  <m:oMathPara xmlns:m="http://schemas.openxmlformats.org/officeDocument/2006/math">
+                    <m:oMathParaPr>
+                      <m:jc m:val="centerGroup"/>
+                    </m:oMathParaPr>
+                    <m:oMath xmlns:m="http://schemas.openxmlformats.org/officeDocument/2006/math">
+                      <m:sSub>
+                        <m:sSubPr>
+                          <m:ctrlPr>
+                            <a:rPr lang="de-AT" b="0" i="1" smtClean="0">
+                              <a:latin typeface="Cambria Math"/>
+                            </a:rPr>
+                          </m:ctrlPr>
+                        </m:sSubPr>
+                        <m:e>
+                          <m:sSub>
+                            <m:sSubPr>
+                              <m:ctrlPr>
+                                <a:rPr lang="de-AT" b="0" i="1" smtClean="0">
+                                  <a:latin typeface="Cambria Math"/>
+                                </a:rPr>
+                              </m:ctrlPr>
+                            </m:sSubPr>
+                            <m:e>
+                              <m:r>
+                                <a:rPr lang="de-AT" b="0" i="1" smtClean="0">
+                                  <a:latin typeface="Cambria Math"/>
+                                </a:rPr>
+                                <m:t>h</m:t>
+                              </m:r>
+                            </m:e>
+                            <m:sub>
+                              <m:r>
+                                <a:rPr lang="de-AT" b="0" i="1" smtClean="0">
+                                  <a:latin typeface="Cambria Math"/>
+                                </a:rPr>
+                                <m:t>2</m:t>
+                              </m:r>
+                            </m:sub>
+                          </m:sSub>
+                          <m:r>
+                            <a:rPr lang="de-AT" b="0" i="1" smtClean="0">
+                              <a:latin typeface="Cambria Math"/>
+                            </a:rPr>
+                            <m:t>;</m:t>
+                          </m:r>
+                          <m:r>
+                            <a:rPr lang="de-AT" b="0" i="1" smtClean="0">
+                              <a:latin typeface="Cambria Math"/>
+                            </a:rPr>
+                            <m:t>𝐸</m:t>
+                          </m:r>
+                        </m:e>
+                        <m:sub>
+                          <m:r>
+                            <a:rPr lang="de-AT" b="0" i="1" smtClean="0">
+                              <a:latin typeface="Cambria Math"/>
+                            </a:rPr>
+                            <m:t>2</m:t>
+                          </m:r>
+                        </m:sub>
+                      </m:sSub>
+                      <m:r>
+                        <a:rPr lang="de-AT" b="0" i="1" smtClean="0">
+                          <a:latin typeface="Cambria Math"/>
+                        </a:rPr>
+                        <m:t>,</m:t>
+                      </m:r>
+                      <m:sSub>
+                        <m:sSubPr>
+                          <m:ctrlPr>
+                            <a:rPr lang="de-AT" b="0" i="1" smtClean="0">
+                              <a:latin typeface="Cambria Math"/>
+                            </a:rPr>
+                          </m:ctrlPr>
+                        </m:sSubPr>
+                        <m:e>
+                          <m:r>
+                            <a:rPr lang="de-AT" b="0" i="1" smtClean="0">
+                              <a:latin typeface="Cambria Math"/>
+                            </a:rPr>
+                            <m:t>𝐺</m:t>
+                          </m:r>
+                        </m:e>
+                        <m:sub>
+                          <m:r>
+                            <a:rPr lang="de-AT" b="0" i="1" smtClean="0">
+                              <a:latin typeface="Cambria Math"/>
+                            </a:rPr>
+                            <m:t>2</m:t>
+                          </m:r>
+                        </m:sub>
+                      </m:sSub>
+                      <m:r>
+                        <a:rPr lang="de-AT" b="0" i="1" smtClean="0">
+                          <a:latin typeface="Cambria Math"/>
+                        </a:rPr>
+                        <m:t>(</m:t>
+                      </m:r>
+                      <m:sSub>
+                        <m:sSubPr>
+                          <m:ctrlPr>
+                            <a:rPr lang="de-AT" b="0" i="1" smtClean="0">
+                              <a:latin typeface="Cambria Math"/>
+                            </a:rPr>
+                          </m:ctrlPr>
+                        </m:sSubPr>
+                        <m:e>
+                          <m:r>
+                            <a:rPr lang="de-AT" b="0" i="1" smtClean="0">
+                              <a:latin typeface="Cambria Math"/>
+                            </a:rPr>
+                            <m:t>𝜌</m:t>
+                          </m:r>
+                        </m:e>
+                        <m:sub>
+                          <m:r>
+                            <a:rPr lang="de-AT" b="0" i="1" smtClean="0">
+                              <a:latin typeface="Cambria Math"/>
+                            </a:rPr>
+                            <m:t>2</m:t>
+                          </m:r>
+                        </m:sub>
+                      </m:sSub>
+                      <m:r>
+                        <a:rPr lang="de-AT" b="0" i="1" smtClean="0">
+                          <a:latin typeface="Cambria Math"/>
+                        </a:rPr>
+                        <m:t>)</m:t>
+                      </m:r>
+                    </m:oMath>
+                  </m:oMathPara>
+                </a14:m>
+                <a:endParaRPr lang="de-AT" dirty="0"/>
+              </a:p>
+            </p:txBody>
+          </p:sp>
+        </mc:Choice>
+        <mc:Fallback>
+          <p:sp>
+            <p:nvSpPr>
+              <p:cNvPr id="9" name="Textfeld 8"/>
+              <p:cNvSpPr txBox="1">
+                <a:spLocks noRot="1" noChangeAspect="1" noMove="1" noResize="1" noEditPoints="1" noAdjustHandles="1" noChangeArrowheads="1" noChangeShapeType="1" noTextEdit="1"/>
+              </p:cNvSpPr>
+              <p:nvPr/>
+            </p:nvSpPr>
+            <p:spPr>
+              <a:xfrm>
+                <a:off x="7239261" y="3320741"/>
+                <a:ext cx="1567032" cy="369332"/>
+              </a:xfrm>
+              <a:prstGeom prst="rect">
+                <a:avLst/>
+              </a:prstGeom>
+              <a:blipFill rotWithShape="1">
+                <a:blip r:embed="rId5"/>
+                <a:stretch>
+                  <a:fillRect b="-13333"/>
+                </a:stretch>
+              </a:blipFill>
+            </p:spPr>
+            <p:txBody>
+              <a:bodyPr/>
+              <a:lstStyle/>
+              <a:p>
+                <a:r>
+                  <a:rPr lang="de-AT">
+                    <a:noFill/>
+                  </a:rPr>
+                  <a:t> </a:t>
+                </a:r>
+              </a:p>
+            </p:txBody>
+          </p:sp>
+        </mc:Fallback>
+      </mc:AlternateContent>
+      <mc:AlternateContent xmlns:mc="http://schemas.openxmlformats.org/markup-compatibility/2006">
+        <mc:Choice xmlns:a14="http://schemas.microsoft.com/office/drawing/2010/main" Requires="a14">
+          <p:sp>
+            <p:nvSpPr>
+              <p:cNvPr id="10" name="Textfeld 9"/>
+              <p:cNvSpPr txBox="1"/>
+              <p:nvPr/>
+            </p:nvSpPr>
+            <p:spPr>
+              <a:xfrm>
+                <a:off x="7239261" y="4005064"/>
+                <a:ext cx="1144801" cy="369332"/>
+              </a:xfrm>
+              <a:prstGeom prst="rect">
+                <a:avLst/>
+              </a:prstGeom>
+              <a:noFill/>
+            </p:spPr>
+            <p:txBody>
+              <a:bodyPr wrap="none" rtlCol="0">
+                <a:spAutoFit/>
+              </a:bodyPr>
+              <a:lstStyle/>
+              <a:p>
+                <a14:m>
+                  <m:oMathPara xmlns:m="http://schemas.openxmlformats.org/officeDocument/2006/math">
+                    <m:oMathParaPr>
+                      <m:jc m:val="centerGroup"/>
+                    </m:oMathParaPr>
+                    <m:oMath xmlns:m="http://schemas.openxmlformats.org/officeDocument/2006/math">
+                      <m:sSub>
+                        <m:sSubPr>
+                          <m:ctrlPr>
+                            <a:rPr lang="de-AT" b="0" i="1" smtClean="0">
+                              <a:latin typeface="Cambria Math"/>
+                            </a:rPr>
+                          </m:ctrlPr>
+                        </m:sSubPr>
+                        <m:e>
+                          <m:sSub>
+                            <m:sSubPr>
+                              <m:ctrlPr>
+                                <a:rPr lang="de-AT" b="0" i="1" smtClean="0">
+                                  <a:latin typeface="Cambria Math"/>
+                                </a:rPr>
+                              </m:ctrlPr>
+                            </m:sSubPr>
+                            <m:e>
+                              <m:r>
+                                <a:rPr lang="de-AT" b="0" i="1" smtClean="0">
+                                  <a:latin typeface="Cambria Math"/>
+                                </a:rPr>
+                                <m:t>h</m:t>
+                              </m:r>
+                            </m:e>
+                            <m:sub>
+                              <m:r>
+                                <a:rPr lang="de-AT" b="0" i="1" smtClean="0">
+                                  <a:latin typeface="Cambria Math"/>
+                                </a:rPr>
+                                <m:t>3</m:t>
+                              </m:r>
+                            </m:sub>
+                          </m:sSub>
+                          <m:r>
+                            <a:rPr lang="de-AT" b="0" i="1" smtClean="0">
+                              <a:latin typeface="Cambria Math"/>
+                            </a:rPr>
+                            <m:t>;</m:t>
+                          </m:r>
+                          <m:r>
+                            <a:rPr lang="de-AT" b="0" i="1" smtClean="0">
+                              <a:latin typeface="Cambria Math"/>
+                            </a:rPr>
+                            <m:t>𝐸</m:t>
+                          </m:r>
+                        </m:e>
+                        <m:sub>
+                          <m:r>
+                            <a:rPr lang="de-AT" b="0" i="1" smtClean="0">
+                              <a:latin typeface="Cambria Math"/>
+                            </a:rPr>
+                            <m:t>3</m:t>
+                          </m:r>
+                        </m:sub>
+                      </m:sSub>
+                      <m:r>
+                        <a:rPr lang="de-AT" b="0" i="1" smtClean="0">
+                          <a:latin typeface="Cambria Math"/>
+                        </a:rPr>
+                        <m:t>,</m:t>
+                      </m:r>
+                      <m:sSub>
+                        <m:sSubPr>
+                          <m:ctrlPr>
+                            <a:rPr lang="de-AT" b="0" i="1" smtClean="0">
+                              <a:latin typeface="Cambria Math"/>
+                            </a:rPr>
+                          </m:ctrlPr>
+                        </m:sSubPr>
+                        <m:e>
+                          <m:r>
+                            <a:rPr lang="de-AT" b="0" i="1" smtClean="0">
+                              <a:latin typeface="Cambria Math"/>
+                            </a:rPr>
+                            <m:t>𝐺</m:t>
+                          </m:r>
+                        </m:e>
+                        <m:sub>
+                          <m:r>
+                            <a:rPr lang="de-AT" b="0" i="1" smtClean="0">
+                              <a:latin typeface="Cambria Math"/>
+                            </a:rPr>
+                            <m:t>3</m:t>
+                          </m:r>
+                        </m:sub>
+                      </m:sSub>
+                    </m:oMath>
+                  </m:oMathPara>
+                </a14:m>
+                <a:endParaRPr lang="de-AT" dirty="0"/>
+              </a:p>
+            </p:txBody>
+          </p:sp>
+        </mc:Choice>
+        <mc:Fallback>
+          <p:sp>
+            <p:nvSpPr>
+              <p:cNvPr id="10" name="Textfeld 9"/>
+              <p:cNvSpPr txBox="1">
+                <a:spLocks noRot="1" noChangeAspect="1" noMove="1" noResize="1" noEditPoints="1" noAdjustHandles="1" noChangeArrowheads="1" noChangeShapeType="1" noTextEdit="1"/>
+              </p:cNvSpPr>
+              <p:nvPr/>
+            </p:nvSpPr>
+            <p:spPr>
+              <a:xfrm>
+                <a:off x="7239261" y="4005064"/>
+                <a:ext cx="1144801" cy="369332"/>
+              </a:xfrm>
+              <a:prstGeom prst="rect">
+                <a:avLst/>
+              </a:prstGeom>
+              <a:blipFill rotWithShape="1">
+                <a:blip r:embed="rId6"/>
+                <a:stretch>
+                  <a:fillRect/>
+                </a:stretch>
+              </a:blipFill>
+            </p:spPr>
+            <p:txBody>
+              <a:bodyPr/>
+              <a:lstStyle/>
+              <a:p>
+                <a:r>
+                  <a:rPr lang="de-AT">
+                    <a:noFill/>
+                  </a:rPr>
+                  <a:t> </a:t>
+                </a:r>
+              </a:p>
+            </p:txBody>
+          </p:sp>
+        </mc:Fallback>
+      </mc:AlternateContent>
+    </p:spTree>
+    <p:extLst>
+      <p:ext uri="{BB962C8B-B14F-4D97-AF65-F5344CB8AC3E}">
+        <p14:creationId xmlns:p14="http://schemas.microsoft.com/office/powerpoint/2010/main" val="435007865"/>
       </p:ext>
     </p:extLst>
   </p:cSld>
